--- a/modules/1_Sample_t/PPT2.pptx
+++ b/modules/1_Sample_t/PPT2.pptx
@@ -4169,15 +4169,47 @@
               <a:t> </a:t>
             </a:r>
             <a:r>
+              <a:rPr lang="en-US" i="1" dirty="0" smtClean="0">
+                <a:solidFill>
+                  <a:schemeClr val="accent1"/>
+                </a:solidFill>
+              </a:rPr>
+              <a:t>O</a:t>
+            </a:r>
+            <a:r>
+              <a:rPr lang="en-US" i="1" dirty="0" smtClean="0">
+                <a:solidFill>
+                  <a:schemeClr val="accent1"/>
+                </a:solidFill>
+              </a:rPr>
+              <a:t>ne </a:t>
+            </a:r>
+            <a:r>
               <a:rPr lang="en-US" i="1" dirty="0">
                 <a:solidFill>
                   <a:schemeClr val="accent1"/>
                 </a:solidFill>
               </a:rPr>
-              <a:t>Quantitative variable, one population sampled, </a:t>
+              <a:t>population </a:t>
+            </a:r>
+            <a:r>
+              <a:rPr lang="en-US" i="1" dirty="0" smtClean="0">
+                <a:solidFill>
+                  <a:schemeClr val="accent1"/>
+                </a:solidFill>
+              </a:rPr>
+              <a:t>sampled, quantitative </a:t>
             </a:r>
             <a:r>
               <a:rPr lang="en-US" i="1" dirty="0">
+                <a:solidFill>
+                  <a:schemeClr val="accent1"/>
+                </a:solidFill>
+              </a:rPr>
+              <a:t>variable, </a:t>
+            </a:r>
+            <a:r>
+              <a:rPr lang="en-US" i="1" dirty="0" smtClean="0">
                 <a:solidFill>
                   <a:schemeClr val="accent1"/>
                 </a:solidFill>
@@ -4186,12 +4218,20 @@
               <a:t>s</a:t>
             </a:r>
             <a:r>
+              <a:rPr lang="en-US" i="1" dirty="0" smtClean="0">
+                <a:solidFill>
+                  <a:schemeClr val="accent1"/>
+                </a:solidFill>
+              </a:rPr>
+              <a:t> </a:t>
+            </a:r>
+            <a:r>
               <a:rPr lang="en-US" i="1" dirty="0">
                 <a:solidFill>
                   <a:schemeClr val="accent1"/>
                 </a:solidFill>
               </a:rPr>
-              <a:t> is </a:t>
+              <a:t>is </a:t>
             </a:r>
             <a:r>
               <a:rPr lang="en-US" b="1" i="1" dirty="0" err="1">
@@ -4243,7 +4283,7 @@
           <a:graphicData uri="http://schemas.openxmlformats.org/presentationml/2006/ole">
             <mc:AlternateContent xmlns:mc="http://schemas.openxmlformats.org/markup-compatibility/2006">
               <mc:Choice xmlns:v="urn:schemas-microsoft-com:vml" Requires="v">
-                <p:oleObj spid="_x0000_s159817" name="Equation" r:id="rId3" imgW="126720" imgH="152280" progId="Equation.3">
+                <p:oleObj spid="_x0000_s159829" name="Equation" r:id="rId3" imgW="126720" imgH="152280" progId="Equation.3">
                   <p:embed/>
                 </p:oleObj>
               </mc:Choice>
@@ -4319,7 +4359,7 @@
           <a:graphicData uri="http://schemas.openxmlformats.org/presentationml/2006/ole">
             <mc:AlternateContent xmlns:mc="http://schemas.openxmlformats.org/markup-compatibility/2006">
               <mc:Choice xmlns:v="urn:schemas-microsoft-com:vml" Requires="v">
-                <p:oleObj spid="_x0000_s159818" name="Equation" r:id="rId5" imgW="647640" imgH="457200" progId="Equation.3">
+                <p:oleObj spid="_x0000_s159830" name="Equation" r:id="rId5" imgW="647640" imgH="457200" progId="Equation.3">
                   <p:embed/>
                 </p:oleObj>
               </mc:Choice>
@@ -4483,30 +4523,21 @@
                             </p:childTnLst>
                           </p:cTn>
                         </p:par>
-                      </p:childTnLst>
-                    </p:cTn>
-                  </p:par>
-                  <p:par>
-                    <p:cTn id="7" fill="hold">
-                      <p:stCondLst>
-                        <p:cond delay="indefinite"/>
-                      </p:stCondLst>
-                      <p:childTnLst>
                         <p:par>
-                          <p:cTn id="8" fill="hold">
+                          <p:cTn id="7" fill="hold">
                             <p:stCondLst>
                               <p:cond delay="0"/>
                             </p:stCondLst>
                             <p:childTnLst>
                               <p:par>
-                                <p:cTn id="9" presetID="1" presetClass="entr" presetSubtype="0" fill="hold" nodeType="clickEffect">
+                                <p:cTn id="8" presetID="1" presetClass="entr" presetSubtype="0" fill="hold" nodeType="afterEffect">
                                   <p:stCondLst>
                                     <p:cond delay="0"/>
                                   </p:stCondLst>
                                   <p:childTnLst>
                                     <p:set>
                                       <p:cBhvr>
-                                        <p:cTn id="10" dur="1" fill="hold">
+                                        <p:cTn id="9" dur="1" fill="hold">
                                           <p:stCondLst>
                                             <p:cond delay="0"/>
                                           </p:stCondLst>
@@ -4532,26 +4563,26 @@
                     </p:cTn>
                   </p:par>
                   <p:par>
-                    <p:cTn id="11" fill="hold">
+                    <p:cTn id="10" fill="hold">
                       <p:stCondLst>
                         <p:cond delay="indefinite"/>
                       </p:stCondLst>
                       <p:childTnLst>
                         <p:par>
-                          <p:cTn id="12" fill="hold">
+                          <p:cTn id="11" fill="hold">
                             <p:stCondLst>
                               <p:cond delay="0"/>
                             </p:stCondLst>
                             <p:childTnLst>
                               <p:par>
-                                <p:cTn id="13" presetID="1" presetClass="entr" presetSubtype="0" fill="hold" nodeType="clickEffect">
+                                <p:cTn id="12" presetID="1" presetClass="entr" presetSubtype="0" fill="hold" nodeType="clickEffect">
                                   <p:stCondLst>
                                     <p:cond delay="0"/>
                                   </p:stCondLst>
                                   <p:childTnLst>
                                     <p:set>
                                       <p:cBhvr>
-                                        <p:cTn id="14" dur="1" fill="hold">
+                                        <p:cTn id="13" dur="1" fill="hold">
                                           <p:stCondLst>
                                             <p:cond delay="0"/>
                                           </p:stCondLst>
@@ -4578,20 +4609,20 @@
                           </p:cTn>
                         </p:par>
                         <p:par>
-                          <p:cTn id="15" fill="hold">
+                          <p:cTn id="14" fill="hold">
                             <p:stCondLst>
                               <p:cond delay="0"/>
                             </p:stCondLst>
                             <p:childTnLst>
                               <p:par>
-                                <p:cTn id="16" presetID="1" presetClass="entr" presetSubtype="0" fill="hold" nodeType="afterEffect">
+                                <p:cTn id="15" presetID="1" presetClass="entr" presetSubtype="0" fill="hold" nodeType="afterEffect">
                                   <p:stCondLst>
                                     <p:cond delay="0"/>
                                   </p:stCondLst>
                                   <p:childTnLst>
                                     <p:set>
                                       <p:cBhvr>
-                                        <p:cTn id="17" dur="1" fill="hold">
+                                        <p:cTn id="16" dur="1" fill="hold">
                                           <p:stCondLst>
                                             <p:cond delay="0"/>
                                           </p:stCondLst>
@@ -4614,20 +4645,20 @@
                           </p:cTn>
                         </p:par>
                         <p:par>
-                          <p:cTn id="18" fill="hold">
+                          <p:cTn id="17" fill="hold">
                             <p:stCondLst>
                               <p:cond delay="0"/>
                             </p:stCondLst>
                             <p:childTnLst>
                               <p:par>
-                                <p:cTn id="19" presetID="1" presetClass="entr" presetSubtype="0" fill="hold" grpId="0" nodeType="afterEffect">
+                                <p:cTn id="18" presetID="1" presetClass="entr" presetSubtype="0" fill="hold" grpId="0" nodeType="afterEffect">
                                   <p:stCondLst>
                                     <p:cond delay="0"/>
                                   </p:stCondLst>
                                   <p:childTnLst>
                                     <p:set>
                                       <p:cBhvr>
-                                        <p:cTn id="20" dur="1" fill="hold">
+                                        <p:cTn id="19" dur="1" fill="hold">
                                           <p:stCondLst>
                                             <p:cond delay="0"/>
                                           </p:stCondLst>
@@ -4653,26 +4684,26 @@
                     </p:cTn>
                   </p:par>
                   <p:par>
-                    <p:cTn id="21" fill="hold">
+                    <p:cTn id="20" fill="hold">
                       <p:stCondLst>
                         <p:cond delay="indefinite"/>
                       </p:stCondLst>
                       <p:childTnLst>
                         <p:par>
-                          <p:cTn id="22" fill="hold">
+                          <p:cTn id="21" fill="hold">
                             <p:stCondLst>
                               <p:cond delay="0"/>
                             </p:stCondLst>
                             <p:childTnLst>
                               <p:par>
-                                <p:cTn id="23" presetID="1" presetClass="entr" presetSubtype="0" fill="hold" grpId="0" nodeType="clickEffect">
+                                <p:cTn id="22" presetID="1" presetClass="entr" presetSubtype="0" fill="hold" grpId="0" nodeType="clickEffect">
                                   <p:stCondLst>
                                     <p:cond delay="0"/>
                                   </p:stCondLst>
                                   <p:childTnLst>
                                     <p:set>
                                       <p:cBhvr>
-                                        <p:cTn id="24" dur="1" fill="hold">
+                                        <p:cTn id="23" dur="1" fill="hold">
                                           <p:stCondLst>
                                             <p:cond delay="0"/>
                                           </p:stCondLst>
@@ -4699,20 +4730,20 @@
                           </p:cTn>
                         </p:par>
                         <p:par>
-                          <p:cTn id="25" fill="hold">
+                          <p:cTn id="24" fill="hold">
                             <p:stCondLst>
                               <p:cond delay="0"/>
                             </p:stCondLst>
                             <p:childTnLst>
                               <p:par>
-                                <p:cTn id="26" presetID="1" presetClass="entr" presetSubtype="0" fill="hold" grpId="0" nodeType="afterEffect">
+                                <p:cTn id="25" presetID="1" presetClass="entr" presetSubtype="0" fill="hold" grpId="0" nodeType="afterEffect">
                                   <p:stCondLst>
                                     <p:cond delay="0"/>
                                   </p:stCondLst>
                                   <p:childTnLst>
                                     <p:set>
                                       <p:cBhvr>
-                                        <p:cTn id="27" dur="1" fill="hold">
+                                        <p:cTn id="26" dur="1" fill="hold">
                                           <p:stCondLst>
                                             <p:cond delay="0"/>
                                           </p:stCondLst>
@@ -4742,26 +4773,26 @@
                     </p:cTn>
                   </p:par>
                   <p:par>
-                    <p:cTn id="28" fill="hold">
+                    <p:cTn id="27" fill="hold">
                       <p:stCondLst>
                         <p:cond delay="indefinite"/>
                       </p:stCondLst>
                       <p:childTnLst>
                         <p:par>
-                          <p:cTn id="29" fill="hold">
+                          <p:cTn id="28" fill="hold">
                             <p:stCondLst>
                               <p:cond delay="0"/>
                             </p:stCondLst>
                             <p:childTnLst>
                               <p:par>
-                                <p:cTn id="30" presetID="1" presetClass="entr" presetSubtype="0" fill="hold" grpId="0" nodeType="clickEffect">
+                                <p:cTn id="29" presetID="1" presetClass="entr" presetSubtype="0" fill="hold" grpId="0" nodeType="clickEffect">
                                   <p:stCondLst>
                                     <p:cond delay="0"/>
                                   </p:stCondLst>
                                   <p:childTnLst>
                                     <p:set>
                                       <p:cBhvr>
-                                        <p:cTn id="31" dur="1" fill="hold">
+                                        <p:cTn id="30" dur="1" fill="hold">
                                           <p:stCondLst>
                                             <p:cond delay="0"/>
                                           </p:stCondLst>
@@ -4788,20 +4819,20 @@
                           </p:cTn>
                         </p:par>
                         <p:par>
-                          <p:cTn id="32" fill="hold">
+                          <p:cTn id="31" fill="hold">
                             <p:stCondLst>
                               <p:cond delay="0"/>
                             </p:stCondLst>
                             <p:childTnLst>
                               <p:par>
-                                <p:cTn id="33" presetID="1" presetClass="entr" presetSubtype="0" fill="hold" grpId="0" nodeType="afterEffect">
+                                <p:cTn id="32" presetID="1" presetClass="entr" presetSubtype="0" fill="hold" grpId="0" nodeType="afterEffect">
                                   <p:stCondLst>
                                     <p:cond delay="0"/>
                                   </p:stCondLst>
                                   <p:childTnLst>
                                     <p:set>
                                       <p:cBhvr>
-                                        <p:cTn id="34" dur="1" fill="hold">
+                                        <p:cTn id="33" dur="1" fill="hold">
                                           <p:stCondLst>
                                             <p:cond delay="0"/>
                                           </p:stCondLst>
@@ -4828,20 +4859,20 @@
                           </p:cTn>
                         </p:par>
                         <p:par>
-                          <p:cTn id="35" fill="hold">
+                          <p:cTn id="34" fill="hold">
                             <p:stCondLst>
                               <p:cond delay="0"/>
                             </p:stCondLst>
                             <p:childTnLst>
                               <p:par>
-                                <p:cTn id="36" presetID="1" presetClass="entr" presetSubtype="0" fill="hold" grpId="0" nodeType="afterEffect">
+                                <p:cTn id="35" presetID="1" presetClass="entr" presetSubtype="0" fill="hold" grpId="0" nodeType="afterEffect">
                                   <p:stCondLst>
                                     <p:cond delay="0"/>
                                   </p:stCondLst>
                                   <p:childTnLst>
                                     <p:set>
                                       <p:cBhvr>
-                                        <p:cTn id="37" dur="1" fill="hold">
+                                        <p:cTn id="36" dur="1" fill="hold">
                                           <p:stCondLst>
                                             <p:cond delay="0"/>
                                           </p:stCondLst>
@@ -4868,20 +4899,20 @@
                           </p:cTn>
                         </p:par>
                         <p:par>
-                          <p:cTn id="38" fill="hold">
+                          <p:cTn id="37" fill="hold">
                             <p:stCondLst>
                               <p:cond delay="0"/>
                             </p:stCondLst>
                             <p:childTnLst>
                               <p:par>
-                                <p:cTn id="39" presetID="1" presetClass="entr" presetSubtype="0" fill="hold" grpId="0" nodeType="afterEffect">
+                                <p:cTn id="38" presetID="1" presetClass="entr" presetSubtype="0" fill="hold" grpId="0" nodeType="afterEffect">
                                   <p:stCondLst>
                                     <p:cond delay="0"/>
                                   </p:stCondLst>
                                   <p:childTnLst>
                                     <p:set>
                                       <p:cBhvr>
-                                        <p:cTn id="40" dur="1" fill="hold">
+                                        <p:cTn id="39" dur="1" fill="hold">
                                           <p:stCondLst>
                                             <p:cond delay="0"/>
                                           </p:stCondLst>
@@ -4911,26 +4942,26 @@
                     </p:cTn>
                   </p:par>
                   <p:par>
-                    <p:cTn id="41" fill="hold">
+                    <p:cTn id="40" fill="hold">
                       <p:stCondLst>
                         <p:cond delay="indefinite"/>
                       </p:stCondLst>
                       <p:childTnLst>
                         <p:par>
-                          <p:cTn id="42" fill="hold">
+                          <p:cTn id="41" fill="hold">
                             <p:stCondLst>
                               <p:cond delay="0"/>
                             </p:stCondLst>
                             <p:childTnLst>
                               <p:par>
-                                <p:cTn id="43" presetID="1" presetClass="entr" presetSubtype="0" fill="hold" grpId="0" nodeType="clickEffect">
+                                <p:cTn id="42" presetID="1" presetClass="entr" presetSubtype="0" fill="hold" grpId="0" nodeType="clickEffect">
                                   <p:stCondLst>
                                     <p:cond delay="0"/>
                                   </p:stCondLst>
                                   <p:childTnLst>
                                     <p:set>
                                       <p:cBhvr>
-                                        <p:cTn id="44" dur="1" fill="hold">
+                                        <p:cTn id="43" dur="1" fill="hold">
                                           <p:stCondLst>
                                             <p:cond delay="0"/>
                                           </p:stCondLst>
@@ -5513,7 +5544,6 @@
               <a:rPr lang="en-US" sz="2400" dirty="0" smtClean="0"/>
               <a:t>=0.01</a:t>
             </a:r>
-            <a:endParaRPr lang="en-US" sz="2400" dirty="0" smtClean="0"/>
           </a:p>
           <a:p>
             <a:pPr marL="609600" indent="-609600">
@@ -5572,13 +5602,8 @@
             </a:r>
             <a:r>
               <a:rPr lang="en-US" sz="2400" dirty="0" smtClean="0"/>
-              <a:t>= </a:t>
+              <a:t>= 66</a:t>
             </a:r>
-            <a:r>
-              <a:rPr lang="en-US" sz="2400" dirty="0" smtClean="0"/>
-              <a:t>66</a:t>
-            </a:r>
-            <a:endParaRPr lang="en-US" sz="2400" dirty="0" smtClean="0"/>
           </a:p>
           <a:p>
             <a:pPr marL="1941513" indent="-1941513">
@@ -5608,14 +5633,7 @@
                 <a:latin typeface="Symbol" panose="05050102010706020507" pitchFamily="18" charset="2"/>
                 <a:sym typeface="Symbol" panose="05050102010706020507" pitchFamily="18" charset="2"/>
               </a:rPr>
-              <a:t>&lt;</a:t>
-            </a:r>
-            <a:r>
-              <a:rPr lang="en-US" sz="2400" dirty="0" smtClean="0">
-                <a:latin typeface="Symbol" panose="05050102010706020507" pitchFamily="18" charset="2"/>
-                <a:sym typeface="Symbol" panose="05050102010706020507" pitchFamily="18" charset="2"/>
-              </a:rPr>
-              <a:t> </a:t>
+              <a:t>&lt; </a:t>
             </a:r>
             <a:r>
               <a:rPr lang="en-US" sz="2400" dirty="0" smtClean="0">
@@ -5625,11 +5643,7 @@
             </a:r>
             <a:r>
               <a:rPr lang="en-US" sz="2400" dirty="0" smtClean="0"/>
-              <a:t>   </a:t>
-            </a:r>
-            <a:r>
-              <a:rPr lang="en-US" sz="2400" dirty="0" smtClean="0"/>
-              <a:t>…. </a:t>
+              <a:t>   …. </a:t>
             </a:r>
             <a:r>
               <a:rPr lang="en-US" sz="2400" dirty="0">
@@ -5639,11 +5653,7 @@
             </a:r>
             <a:r>
               <a:rPr lang="en-US" sz="2400" dirty="0" smtClean="0"/>
-              <a:t> is mean </a:t>
-            </a:r>
-            <a:r>
-              <a:rPr lang="en-US" sz="2400" dirty="0" smtClean="0"/>
-              <a:t>%</a:t>
+              <a:t> is mean %</a:t>
             </a:r>
             <a:r>
               <a:rPr lang="en-US" sz="2400" dirty="0" err="1" smtClean="0"/>
@@ -5653,7 +5663,6 @@
               <a:rPr lang="en-US" sz="2400" dirty="0" smtClean="0"/>
               <a:t> for all 1-lb package of butter from this company</a:t>
             </a:r>
-            <a:endParaRPr lang="en-US" sz="2400" dirty="0" smtClean="0"/>
           </a:p>
           <a:p>
             <a:pPr marL="609600" indent="-609600">
@@ -5687,7 +5696,15 @@
             </a:pPr>
             <a:r>
               <a:rPr lang="en-US" sz="2400" dirty="0" smtClean="0"/>
-              <a:t>1-sample z-test … because (a</a:t>
+              <a:t>1-sample </a:t>
+            </a:r>
+            <a:r>
+              <a:rPr lang="en-US" sz="2400" dirty="0" smtClean="0"/>
+              <a:t>t-test </a:t>
+            </a:r>
+            <a:r>
+              <a:rPr lang="en-US" sz="2400" dirty="0" smtClean="0"/>
+              <a:t>… because (a</a:t>
             </a:r>
             <a:r>
               <a:rPr lang="en-US" sz="2400" dirty="0"/>
@@ -5695,11 +5712,7 @@
             </a:r>
             <a:r>
               <a:rPr lang="en-US" sz="2400" dirty="0" smtClean="0"/>
-              <a:t>(1-lb packages of butter from this company), </a:t>
-            </a:r>
-            <a:r>
-              <a:rPr lang="en-US" sz="2400" dirty="0" smtClean="0"/>
-              <a:t>(</a:t>
+              <a:t>(1-lb packages of butter from this company), (</a:t>
             </a:r>
             <a:r>
               <a:rPr lang="en-US" sz="2400" dirty="0"/>
@@ -5707,11 +5720,7 @@
             </a:r>
             <a:r>
               <a:rPr lang="en-US" sz="2400" dirty="0" smtClean="0"/>
-              <a:t>variable </a:t>
-            </a:r>
-            <a:r>
-              <a:rPr lang="en-US" sz="2400" dirty="0" smtClean="0"/>
-              <a:t>(%</a:t>
+              <a:t>variable (%</a:t>
             </a:r>
             <a:r>
               <a:rPr lang="en-US" sz="2400" dirty="0" err="1" smtClean="0"/>
@@ -5719,11 +5728,7 @@
             </a:r>
             <a:r>
               <a:rPr lang="en-US" sz="2400" dirty="0" smtClean="0"/>
-              <a:t>), </a:t>
-            </a:r>
-            <a:r>
-              <a:rPr lang="en-US" sz="2400" dirty="0" smtClean="0"/>
-              <a:t>and (c) </a:t>
+              <a:t>), and (c) </a:t>
             </a:r>
             <a:r>
               <a:rPr lang="en-US" sz="2400" dirty="0" smtClean="0">
@@ -5733,11 +5738,7 @@
             </a:r>
             <a:r>
               <a:rPr lang="en-US" sz="2400" dirty="0" smtClean="0"/>
-              <a:t> is </a:t>
-            </a:r>
-            <a:r>
-              <a:rPr lang="en-US" sz="2400" dirty="0" smtClean="0"/>
-              <a:t>unknown.</a:t>
+              <a:t> is unknown.</a:t>
             </a:r>
             <a:endParaRPr lang="en-US" sz="2400" dirty="0"/>
           </a:p>
@@ -6235,13 +6236,8 @@
             </a:pPr>
             <a:r>
               <a:rPr lang="en-US" sz="2400" dirty="0" smtClean="0"/>
-              <a:t>(i) Observational study (no control imparted on </a:t>
+              <a:t>(i) Observational study (no control imparted on packages of butter)</a:t>
             </a:r>
-            <a:r>
-              <a:rPr lang="en-US" sz="2400" dirty="0" smtClean="0"/>
-              <a:t>packages of butter)</a:t>
-            </a:r>
-            <a:endParaRPr lang="en-US" sz="2400" dirty="0" smtClean="0"/>
           </a:p>
           <a:p>
             <a:pPr marL="609600" indent="-609600">
@@ -6250,15 +6246,7 @@
             </a:pPr>
             <a:r>
               <a:rPr lang="en-US" sz="2400" dirty="0" smtClean="0"/>
-              <a:t>(ii) A random sample (</a:t>
-            </a:r>
-            <a:r>
-              <a:rPr lang="en-US" sz="2400" dirty="0" smtClean="0"/>
-              <a:t>n=96</a:t>
-            </a:r>
-            <a:r>
-              <a:rPr lang="en-US" sz="2400" dirty="0" smtClean="0"/>
-              <a:t>) was taken</a:t>
+              <a:t>(ii) A random sample (n=96) was taken</a:t>
             </a:r>
           </a:p>
           <a:p>
@@ -6310,15 +6298,11 @@
             </a:pPr>
             <a:r>
               <a:rPr lang="en-US" sz="2400" dirty="0" smtClean="0"/>
-              <a:t>(</a:t>
+              <a:t>(ii) </a:t>
             </a:r>
             <a:r>
               <a:rPr lang="en-US" sz="2400" dirty="0" smtClean="0"/>
-              <a:t>ii) </a:t>
-            </a:r>
-            <a:r>
-              <a:rPr lang="en-US" sz="2400" dirty="0" smtClean="0"/>
-              <a:t>n&gt;40</a:t>
+              <a:t>n=96&gt;40</a:t>
             </a:r>
             <a:endParaRPr lang="en-US" sz="2400" dirty="0" smtClean="0"/>
           </a:p>
@@ -6361,15 +6345,7 @@
             </a:r>
             <a:r>
               <a:rPr lang="en-US" sz="2400" dirty="0" smtClean="0"/>
-              <a:t>x = </a:t>
-            </a:r>
-            <a:r>
-              <a:rPr lang="en-US" sz="2400" dirty="0" smtClean="0"/>
-              <a:t>65.6 </a:t>
-            </a:r>
-            <a:r>
-              <a:rPr lang="en-US" sz="2400" dirty="0" smtClean="0"/>
-              <a:t>(in background)</a:t>
+              <a:t>x = 65.6 (in background)</a:t>
             </a:r>
           </a:p>
           <a:p>
@@ -6875,7 +6851,7 @@
           <a:graphicData uri="http://schemas.openxmlformats.org/presentationml/2006/ole">
             <mc:AlternateContent xmlns:mc="http://schemas.openxmlformats.org/markup-compatibility/2006">
               <mc:Choice xmlns:v="urn:schemas-microsoft-com:vml" Requires="v">
-                <p:oleObj spid="_x0000_s199698" name="Equation" r:id="rId3" imgW="647640" imgH="457200" progId="Equation.3">
+                <p:oleObj spid="_x0000_s199722" name="Equation" r:id="rId3" imgW="647640" imgH="457200" progId="Equation.3">
                   <p:embed/>
                 </p:oleObj>
               </mc:Choice>
@@ -6945,7 +6921,7 @@
           <a:graphicData uri="http://schemas.openxmlformats.org/presentationml/2006/ole">
             <mc:AlternateContent xmlns:mc="http://schemas.openxmlformats.org/markup-compatibility/2006">
               <mc:Choice xmlns:v="urn:schemas-microsoft-com:vml" Requires="v">
-                <p:oleObj spid="_x0000_s199699" name="Equation" r:id="rId5" imgW="736560" imgH="457200" progId="Equation.3">
+                <p:oleObj spid="_x0000_s199723" name="Equation" r:id="rId5" imgW="736560" imgH="457200" progId="Equation.3">
                   <p:embed/>
                 </p:oleObj>
               </mc:Choice>
@@ -7015,7 +6991,7 @@
           <a:graphicData uri="http://schemas.openxmlformats.org/presentationml/2006/ole">
             <mc:AlternateContent xmlns:mc="http://schemas.openxmlformats.org/markup-compatibility/2006">
               <mc:Choice xmlns:v="urn:schemas-microsoft-com:vml" Requires="v">
-                <p:oleObj spid="_x0000_s199700" name="Equation" r:id="rId7" imgW="533160" imgH="393480" progId="Equation.3">
+                <p:oleObj spid="_x0000_s199724" name="Equation" r:id="rId7" imgW="533160" imgH="393480" progId="Equation.3">
                   <p:embed/>
                 </p:oleObj>
               </mc:Choice>
@@ -7085,7 +7061,7 @@
           <a:graphicData uri="http://schemas.openxmlformats.org/presentationml/2006/ole">
             <mc:AlternateContent xmlns:mc="http://schemas.openxmlformats.org/markup-compatibility/2006">
               <mc:Choice xmlns:v="urn:schemas-microsoft-com:vml" Requires="v">
-                <p:oleObj spid="_x0000_s199701" name="Equation" r:id="rId9" imgW="520560" imgH="177480" progId="Equation.3">
+                <p:oleObj spid="_x0000_s199725" name="Equation" r:id="rId9" imgW="520560" imgH="177480" progId="Equation.3">
                   <p:embed/>
                 </p:oleObj>
               </mc:Choice>
@@ -7498,7 +7474,7 @@
                             </p:stCondLst>
                             <p:childTnLst>
                               <p:par>
-                                <p:cTn id="17" presetID="1" presetClass="entr" presetSubtype="0" fill="hold" grpId="0" nodeType="clickEffect">
+                                <p:cTn id="17" presetID="1" presetClass="entr" presetSubtype="0" fill="hold" nodeType="clickEffect">
                                   <p:stCondLst>
                                     <p:cond delay="0"/>
                                   </p:stCondLst>
@@ -7513,9 +7489,121 @@
                                         <p:tgtEl>
                                           <p:spTgt spid="176133">
                                             <p:txEl>
+                                              <p:pRg st="5" end="5"/>
+                                            </p:txEl>
+                                          </p:spTgt>
+                                        </p:tgtEl>
+                                        <p:attrNameLst>
+                                          <p:attrName>style.visibility</p:attrName>
+                                        </p:attrNameLst>
+                                      </p:cBhvr>
+                                      <p:to>
+                                        <p:strVal val="visible"/>
+                                      </p:to>
+                                    </p:set>
+                                  </p:childTnLst>
+                                </p:cTn>
+                              </p:par>
+                            </p:childTnLst>
+                          </p:cTn>
+                        </p:par>
+                      </p:childTnLst>
+                    </p:cTn>
+                  </p:par>
+                  <p:par>
+                    <p:cTn id="19" fill="hold">
+                      <p:stCondLst>
+                        <p:cond delay="indefinite"/>
+                      </p:stCondLst>
+                      <p:childTnLst>
+                        <p:par>
+                          <p:cTn id="20" fill="hold">
+                            <p:stCondLst>
+                              <p:cond delay="0"/>
+                            </p:stCondLst>
+                            <p:childTnLst>
+                              <p:par>
+                                <p:cTn id="21" presetID="1" presetClass="entr" presetSubtype="0" fill="hold" grpId="0" nodeType="clickEffect">
+                                  <p:stCondLst>
+                                    <p:cond delay="0"/>
+                                  </p:stCondLst>
+                                  <p:childTnLst>
+                                    <p:set>
+                                      <p:cBhvr>
+                                        <p:cTn id="22" dur="1" fill="hold">
+                                          <p:stCondLst>
+                                            <p:cond delay="0"/>
+                                          </p:stCondLst>
+                                        </p:cTn>
+                                        <p:tgtEl>
+                                          <p:spTgt spid="176133">
+                                            <p:txEl>
                                               <p:pRg st="7" end="7"/>
                                             </p:txEl>
                                           </p:spTgt>
+                                        </p:tgtEl>
+                                        <p:attrNameLst>
+                                          <p:attrName>style.visibility</p:attrName>
+                                        </p:attrNameLst>
+                                      </p:cBhvr>
+                                      <p:to>
+                                        <p:strVal val="visible"/>
+                                      </p:to>
+                                    </p:set>
+                                  </p:childTnLst>
+                                </p:cTn>
+                              </p:par>
+                            </p:childTnLst>
+                          </p:cTn>
+                        </p:par>
+                        <p:par>
+                          <p:cTn id="23" fill="hold">
+                            <p:stCondLst>
+                              <p:cond delay="0"/>
+                            </p:stCondLst>
+                            <p:childTnLst>
+                              <p:par>
+                                <p:cTn id="24" presetID="1" presetClass="entr" presetSubtype="0" fill="hold" grpId="0" nodeType="afterEffect">
+                                  <p:stCondLst>
+                                    <p:cond delay="0"/>
+                                  </p:stCondLst>
+                                  <p:childTnLst>
+                                    <p:set>
+                                      <p:cBhvr>
+                                        <p:cTn id="25" dur="1" fill="hold">
+                                          <p:stCondLst>
+                                            <p:cond delay="0"/>
+                                          </p:stCondLst>
+                                        </p:cTn>
+                                        <p:tgtEl>
+                                          <p:spTgt spid="2"/>
+                                        </p:tgtEl>
+                                        <p:attrNameLst>
+                                          <p:attrName>style.visibility</p:attrName>
+                                        </p:attrNameLst>
+                                      </p:cBhvr>
+                                      <p:to>
+                                        <p:strVal val="visible"/>
+                                      </p:to>
+                                    </p:set>
+                                  </p:childTnLst>
+                                </p:cTn>
+                              </p:par>
+                              <p:par>
+                                <p:cTn id="26" presetID="1" presetClass="entr" presetSubtype="0" fill="hold" nodeType="withEffect">
+                                  <p:stCondLst>
+                                    <p:cond delay="0"/>
+                                  </p:stCondLst>
+                                  <p:childTnLst>
+                                    <p:set>
+                                      <p:cBhvr>
+                                        <p:cTn id="27" dur="1" fill="hold">
+                                          <p:stCondLst>
+                                            <p:cond delay="0"/>
+                                          </p:stCondLst>
+                                        </p:cTn>
+                                        <p:tgtEl>
+                                          <p:spTgt spid="5"/>
                                         </p:tgtEl>
                                         <p:attrNameLst>
                                           <p:attrName>style.visibility</p:attrName>
@@ -7557,6 +7645,7 @@
     </p:tnLst>
     <p:bldLst>
       <p:bldP spid="176133" grpId="0" build="p"/>
+      <p:bldP spid="2" grpId="0" animBg="1"/>
     </p:bldLst>
   </p:timing>
 </p:sld>
@@ -7670,7 +7759,7 @@
         <p:spPr>
           <a:xfrm>
             <a:off x="152400" y="1143000"/>
-            <a:ext cx="8763000" cy="5257800"/>
+            <a:ext cx="8915400" cy="5257800"/>
           </a:xfrm>
         </p:spPr>
         <p:txBody>
@@ -7705,15 +7794,7 @@
             </a:pPr>
             <a:r>
               <a:rPr lang="en-US" sz="2400" dirty="0" smtClean="0"/>
-              <a:t>p-value (</a:t>
-            </a:r>
-            <a:r>
-              <a:rPr lang="en-US" sz="2400" dirty="0" smtClean="0"/>
-              <a:t>0.0033) </a:t>
-            </a:r>
-            <a:r>
-              <a:rPr lang="en-US" sz="2400" dirty="0" smtClean="0"/>
-              <a:t>&lt; </a:t>
+              <a:t>p-value (0.0033) &lt; </a:t>
             </a:r>
             <a:r>
               <a:rPr lang="en-US" sz="2400" dirty="0" smtClean="0">
@@ -7723,15 +7804,7 @@
             </a:r>
             <a:r>
               <a:rPr lang="en-US" sz="2400" dirty="0" smtClean="0"/>
-              <a:t> (</a:t>
-            </a:r>
-            <a:r>
-              <a:rPr lang="en-US" sz="2400" dirty="0" smtClean="0"/>
-              <a:t>0.01) </a:t>
-            </a:r>
-            <a:r>
-              <a:rPr lang="en-US" sz="2400" dirty="0" smtClean="0"/>
-              <a:t>…. Reject H</a:t>
+              <a:t> (0.01) …. Reject H</a:t>
             </a:r>
             <a:r>
               <a:rPr lang="en-US" sz="2400" baseline="-25000" dirty="0" smtClean="0"/>
@@ -7760,43 +7833,14 @@
             </a:r>
           </a:p>
           <a:p>
-            <a:pPr marL="609600" indent="-609600">
+            <a:pPr marL="0" indent="0">
               <a:buFontTx/>
               <a:buNone/>
             </a:pPr>
             <a:r>
               <a:rPr lang="en-US" sz="2400" dirty="0" smtClean="0"/>
-              <a:t>The mean </a:t>
+              <a:t>The mean percent saturated fat for all 1-lb packages of butter for this company appears to be less than that (=66) for the industry as a whole.</a:t>
             </a:r>
-            <a:r>
-              <a:rPr lang="en-US" sz="2400" dirty="0" smtClean="0"/>
-              <a:t>percent saturated fat for all 1-lb packages of butter for this company appears </a:t>
-            </a:r>
-            <a:r>
-              <a:rPr lang="en-US" sz="2400" dirty="0" smtClean="0"/>
-              <a:t>to be </a:t>
-            </a:r>
-            <a:r>
-              <a:rPr lang="en-US" sz="2400" dirty="0" smtClean="0"/>
-              <a:t>less than </a:t>
-            </a:r>
-            <a:r>
-              <a:rPr lang="en-US" sz="2400" dirty="0" smtClean="0"/>
-              <a:t>that </a:t>
-            </a:r>
-            <a:r>
-              <a:rPr lang="en-US" sz="2400" dirty="0" smtClean="0"/>
-              <a:t>(=66) </a:t>
-            </a:r>
-            <a:r>
-              <a:rPr lang="en-US" sz="2400" dirty="0" smtClean="0"/>
-              <a:t>for the </a:t>
-            </a:r>
-            <a:r>
-              <a:rPr lang="en-US" sz="2400" dirty="0" smtClean="0"/>
-              <a:t>industry as a whole.</a:t>
-            </a:r>
-            <a:endParaRPr lang="en-US" sz="2400" dirty="0" smtClean="0"/>
           </a:p>
           <a:p>
             <a:pPr marL="609600" indent="-609600">
@@ -8123,19 +8167,37 @@
             </a:pPr>
             <a:r>
               <a:rPr lang="en-US" sz="2400" dirty="0" smtClean="0"/>
-              <a:t>(i)   </a:t>
+              <a:t>(i)   100(1-0.01)% = 99%</a:t>
+            </a:r>
+          </a:p>
+          <a:p>
+            <a:pPr marL="609600" indent="-609600">
+              <a:buFontTx/>
+              <a:buNone/>
+            </a:pPr>
+            <a:r>
+              <a:rPr lang="en-US" sz="2400" dirty="0" smtClean="0"/>
+              <a:t>(ii)  </a:t>
             </a:r>
             <a:r>
               <a:rPr lang="en-US" sz="2400" dirty="0" smtClean="0"/>
-              <a:t>100(1-0.01)% </a:t>
+              <a:t>Upper bound … </a:t>
             </a:r>
             <a:r>
               <a:rPr lang="en-US" sz="2400" dirty="0" smtClean="0"/>
-              <a:t>= </a:t>
+              <a:t>because H</a:t>
+            </a:r>
+            <a:r>
+              <a:rPr lang="en-US" sz="2400" baseline="-25000" dirty="0" smtClean="0"/>
+              <a:t>a</a:t>
             </a:r>
             <a:r>
               <a:rPr lang="en-US" sz="2400" dirty="0" smtClean="0"/>
-              <a:t>99%</a:t>
+              <a:t> was </a:t>
+            </a:r>
+            <a:r>
+              <a:rPr lang="en-US" sz="2400" smtClean="0"/>
+              <a:t>less than</a:t>
             </a:r>
             <a:endParaRPr lang="en-US" sz="2400" dirty="0" smtClean="0"/>
           </a:p>
@@ -8146,45 +8208,7 @@
             </a:pPr>
             <a:r>
               <a:rPr lang="en-US" sz="2400" dirty="0" smtClean="0"/>
-              <a:t>(ii)  Confidence interval … because H</a:t>
-            </a:r>
-            <a:r>
-              <a:rPr lang="en-US" sz="2400" baseline="-25000" dirty="0" smtClean="0"/>
-              <a:t>a</a:t>
-            </a:r>
-            <a:r>
-              <a:rPr lang="en-US" sz="2400" dirty="0" smtClean="0"/>
-              <a:t> was not equals (two-sided)</a:t>
-            </a:r>
-          </a:p>
-          <a:p>
-            <a:pPr marL="609600" indent="-609600">
-              <a:buFontTx/>
-              <a:buNone/>
-            </a:pPr>
-            <a:r>
-              <a:rPr lang="en-US" sz="2400" dirty="0" smtClean="0"/>
-              <a:t>(iii) </a:t>
-            </a:r>
-            <a:r>
-              <a:rPr lang="en-US" sz="2400" dirty="0" smtClean="0"/>
-              <a:t>t* </a:t>
-            </a:r>
-            <a:r>
-              <a:rPr lang="en-US" sz="2400" dirty="0" smtClean="0"/>
-              <a:t>= </a:t>
-            </a:r>
-            <a:r>
-              <a:rPr lang="en-US" sz="2400" dirty="0" smtClean="0"/>
-              <a:t>+2.366</a:t>
-            </a:r>
-            <a:r>
-              <a:rPr lang="en-US" sz="2400" dirty="0" smtClean="0"/>
-              <a:t>   </a:t>
-            </a:r>
-            <a:r>
-              <a:rPr lang="en-US" sz="2400" dirty="0" smtClean="0"/>
-              <a:t>… from </a:t>
+              <a:t>(iii) t* = +2.366   … from </a:t>
             </a:r>
             <a:r>
               <a:rPr lang="en-US" sz="2400" dirty="0" err="1" smtClean="0">
@@ -8212,14 +8236,7 @@
                 <a:latin typeface="Courier New" panose="02070309020205020404" pitchFamily="49" charset="0"/>
                 <a:cs typeface="Courier New" panose="02070309020205020404" pitchFamily="49" charset="0"/>
               </a:rPr>
-              <a:t>=95,type</a:t>
-            </a:r>
-            <a:r>
-              <a:rPr lang="en-US" sz="2400" dirty="0" smtClean="0">
-                <a:latin typeface="Courier New" panose="02070309020205020404" pitchFamily="49" charset="0"/>
-                <a:cs typeface="Courier New" panose="02070309020205020404" pitchFamily="49" charset="0"/>
-              </a:rPr>
-              <a:t>=“q”)</a:t>
+              <a:t>=95,type=“q”)</a:t>
             </a:r>
           </a:p>
           <a:p>
@@ -8229,13 +8246,8 @@
             </a:pPr>
             <a:r>
               <a:rPr lang="en-US" sz="2400" dirty="0" smtClean="0"/>
-              <a:t>(iv) </a:t>
+              <a:t>(iv) 65.6 +2.366*0.144</a:t>
             </a:r>
-            <a:r>
-              <a:rPr lang="en-US" sz="2400" dirty="0" smtClean="0"/>
-              <a:t>65.6 +2.366*0.144</a:t>
-            </a:r>
-            <a:endParaRPr lang="en-US" sz="2400" dirty="0" smtClean="0"/>
           </a:p>
           <a:p>
             <a:pPr marL="609600" indent="-609600">
@@ -8248,11 +8260,7 @@
             </a:r>
             <a:r>
               <a:rPr lang="en-US" sz="2400" dirty="0" smtClean="0"/>
-              <a:t>      </a:t>
-            </a:r>
-            <a:r>
-              <a:rPr lang="en-US" sz="2400" dirty="0" smtClean="0"/>
-              <a:t>65.6 </a:t>
+              <a:t>      65.6 </a:t>
             </a:r>
             <a:r>
               <a:rPr lang="en-US" sz="2400" dirty="0"/>
@@ -8262,7 +8270,6 @@
               <a:rPr lang="en-US" sz="2400" dirty="0" smtClean="0"/>
               <a:t> 0.34</a:t>
             </a:r>
-            <a:endParaRPr lang="en-US" sz="2400" dirty="0" smtClean="0"/>
           </a:p>
           <a:p>
             <a:pPr marL="609600" indent="-609600">
@@ -8275,13 +8282,8 @@
             </a:r>
             <a:r>
               <a:rPr lang="en-US" sz="2400" dirty="0" smtClean="0"/>
-              <a:t>      </a:t>
+              <a:t>      65.94</a:t>
             </a:r>
-            <a:r>
-              <a:rPr lang="en-US" sz="2400" dirty="0" smtClean="0"/>
-              <a:t>65.94</a:t>
-            </a:r>
-            <a:endParaRPr lang="en-US" sz="2400" dirty="0" smtClean="0"/>
           </a:p>
           <a:p>
             <a:pPr marL="609600" indent="-609600">
@@ -8290,21 +8292,8 @@
             </a:pPr>
             <a:r>
               <a:rPr lang="en-US" sz="2400" dirty="0" smtClean="0"/>
-              <a:t>(v)  I am </a:t>
+              <a:t>(v)  I am 99% confident that the mean percent saturated fat for all 1-lb packages of butter from this company is less than 65.94.</a:t>
             </a:r>
-            <a:r>
-              <a:rPr lang="en-US" sz="2400" dirty="0" smtClean="0"/>
-              <a:t>99% </a:t>
-            </a:r>
-            <a:r>
-              <a:rPr lang="en-US" sz="2400" dirty="0" smtClean="0"/>
-              <a:t>confident that the mean </a:t>
-            </a:r>
-            <a:r>
-              <a:rPr lang="en-US" sz="2400" dirty="0" smtClean="0"/>
-              <a:t>percent saturated fat for all 1-lb packages of butter from this company is less than 65.94.</a:t>
-            </a:r>
-            <a:endParaRPr lang="en-US" sz="2400" dirty="0" smtClean="0"/>
           </a:p>
         </p:txBody>
       </p:sp>
@@ -48522,114 +48511,6 @@
       </p:grpSp>
       <p:sp>
         <p:nvSpPr>
-          <p:cNvPr id="181804" name="Line 556"/>
-          <p:cNvSpPr>
-            <a:spLocks noChangeShapeType="1"/>
-          </p:cNvSpPr>
-          <p:nvPr/>
-        </p:nvSpPr>
-        <p:spPr bwMode="auto">
-          <a:xfrm>
-            <a:off x="5224463" y="3657600"/>
-            <a:ext cx="0" cy="2514600"/>
-          </a:xfrm>
-          <a:prstGeom prst="line">
-            <a:avLst/>
-          </a:prstGeom>
-          <a:noFill/>
-          <a:ln w="38100" cap="rnd">
-            <a:solidFill>
-              <a:schemeClr val="accent1"/>
-            </a:solidFill>
-            <a:prstDash val="sysDot"/>
-            <a:round/>
-            <a:headEnd/>
-            <a:tailEnd/>
-          </a:ln>
-          <a:effectLst/>
-        </p:spPr>
-        <p:txBody>
-          <a:bodyPr wrap="none" anchor="ctr"/>
-          <a:lstStyle/>
-          <a:p>
-            <a:endParaRPr lang="en-US"/>
-          </a:p>
-        </p:txBody>
-      </p:sp>
-      <p:sp>
-        <p:nvSpPr>
-          <p:cNvPr id="181805" name="Line 557"/>
-          <p:cNvSpPr>
-            <a:spLocks noChangeShapeType="1"/>
-          </p:cNvSpPr>
-          <p:nvPr/>
-        </p:nvSpPr>
-        <p:spPr bwMode="auto">
-          <a:xfrm>
-            <a:off x="5226050" y="3657600"/>
-            <a:ext cx="0" cy="2514600"/>
-          </a:xfrm>
-          <a:prstGeom prst="line">
-            <a:avLst/>
-          </a:prstGeom>
-          <a:noFill/>
-          <a:ln w="38100" cap="rnd">
-            <a:solidFill>
-              <a:schemeClr val="hlink"/>
-            </a:solidFill>
-            <a:prstDash val="sysDot"/>
-            <a:round/>
-            <a:headEnd/>
-            <a:tailEnd/>
-          </a:ln>
-          <a:effectLst/>
-        </p:spPr>
-        <p:txBody>
-          <a:bodyPr wrap="none" anchor="ctr"/>
-          <a:lstStyle/>
-          <a:p>
-            <a:endParaRPr lang="en-US"/>
-          </a:p>
-        </p:txBody>
-      </p:sp>
-      <p:sp>
-        <p:nvSpPr>
-          <p:cNvPr id="181806" name="Line 558"/>
-          <p:cNvSpPr>
-            <a:spLocks noChangeShapeType="1"/>
-          </p:cNvSpPr>
-          <p:nvPr/>
-        </p:nvSpPr>
-        <p:spPr bwMode="auto">
-          <a:xfrm>
-            <a:off x="5224463" y="3657600"/>
-            <a:ext cx="0" cy="2514600"/>
-          </a:xfrm>
-          <a:prstGeom prst="line">
-            <a:avLst/>
-          </a:prstGeom>
-          <a:noFill/>
-          <a:ln w="38100" cap="rnd">
-            <a:solidFill>
-              <a:schemeClr val="accent2"/>
-            </a:solidFill>
-            <a:prstDash val="sysDot"/>
-            <a:round/>
-            <a:headEnd/>
-            <a:tailEnd/>
-          </a:ln>
-          <a:effectLst/>
-        </p:spPr>
-        <p:txBody>
-          <a:bodyPr wrap="none" anchor="ctr"/>
-          <a:lstStyle/>
-          <a:p>
-            <a:endParaRPr lang="en-US"/>
-          </a:p>
-        </p:txBody>
-      </p:sp>
-      <p:sp>
-        <p:nvSpPr>
           <p:cNvPr id="181808" name="AutoShape 560"/>
           <p:cNvSpPr>
             <a:spLocks noChangeArrowheads="1"/>
@@ -48638,7 +48519,7 @@
         </p:nvSpPr>
         <p:spPr bwMode="auto">
           <a:xfrm>
-            <a:off x="4800600" y="5791200"/>
+            <a:off x="2623870" y="5791200"/>
             <a:ext cx="838200" cy="1066800"/>
           </a:xfrm>
           <a:prstGeom prst="upArrow">
@@ -48794,17 +48675,23 @@
           <p:cNvGraphicFramePr>
             <a:graphicFrameLocks noChangeAspect="1"/>
           </p:cNvGraphicFramePr>
-          <p:nvPr/>
+          <p:nvPr>
+            <p:extLst>
+              <p:ext uri="{D42A27DB-BD31-4B8C-83A1-F6EECF244321}">
+                <p14:modId xmlns:p14="http://schemas.microsoft.com/office/powerpoint/2010/main" val="183994232"/>
+              </p:ext>
+            </p:extLst>
+          </p:nvPr>
         </p:nvGraphicFramePr>
         <p:xfrm>
-          <a:off x="5029200" y="6172200"/>
+          <a:off x="2853904" y="6172200"/>
           <a:ext cx="381000" cy="457200"/>
         </p:xfrm>
         <a:graphic>
           <a:graphicData uri="http://schemas.openxmlformats.org/presentationml/2006/ole">
             <mc:AlternateContent xmlns:mc="http://schemas.openxmlformats.org/markup-compatibility/2006">
               <mc:Choice xmlns:v="urn:schemas-microsoft-com:vml" Requires="v">
-                <p:oleObj spid="_x0000_s198692" name="Equation" r:id="rId3" imgW="126720" imgH="152280" progId="Equation.3">
+                <p:oleObj spid="_x0000_s198698" name="Equation" r:id="rId3" imgW="126720" imgH="152280" progId="Equation.3">
                   <p:embed/>
                 </p:oleObj>
               </mc:Choice>
@@ -48834,7 +48721,7 @@
                     </p:blipFill>
                     <p:spPr bwMode="auto">
                       <a:xfrm>
-                        <a:off x="5029200" y="6172200"/>
+                        <a:off x="2853904" y="6172200"/>
                         <a:ext cx="381000" cy="457200"/>
                       </a:xfrm>
                       <a:prstGeom prst="rect">
@@ -49082,59 +48969,15 @@
                                   </p:childTnLst>
                                 </p:cTn>
                               </p:par>
-                            </p:childTnLst>
-                          </p:cTn>
-                        </p:par>
-                        <p:par>
-                          <p:cTn id="22" fill="hold">
-                            <p:stCondLst>
-                              <p:cond delay="500"/>
-                            </p:stCondLst>
-                            <p:childTnLst>
                               <p:par>
-                                <p:cTn id="23" presetID="22" presetClass="entr" presetSubtype="4" fill="hold" grpId="0" nodeType="afterEffect">
+                                <p:cTn id="22" presetID="22" presetClass="entr" presetSubtype="4" fill="hold" grpId="0" nodeType="withEffect">
                                   <p:stCondLst>
                                     <p:cond delay="0"/>
                                   </p:stCondLst>
                                   <p:childTnLst>
                                     <p:set>
                                       <p:cBhvr>
-                                        <p:cTn id="24" dur="1" fill="hold">
-                                          <p:stCondLst>
-                                            <p:cond delay="0"/>
-                                          </p:stCondLst>
-                                        </p:cTn>
-                                        <p:tgtEl>
-                                          <p:spTgt spid="181804"/>
-                                        </p:tgtEl>
-                                        <p:attrNameLst>
-                                          <p:attrName>style.visibility</p:attrName>
-                                        </p:attrNameLst>
-                                      </p:cBhvr>
-                                      <p:to>
-                                        <p:strVal val="visible"/>
-                                      </p:to>
-                                    </p:set>
-                                    <p:animEffect transition="in" filter="wipe(down)">
-                                      <p:cBhvr>
-                                        <p:cTn id="25" dur="500"/>
-                                        <p:tgtEl>
-                                          <p:spTgt spid="181804"/>
-                                        </p:tgtEl>
-                                      </p:cBhvr>
-                                    </p:animEffect>
-                                  </p:childTnLst>
-                                </p:cTn>
-                              </p:par>
-                              <p:par>
-                                <p:cTn id="26" presetID="22" presetClass="entr" presetSubtype="4" fill="hold" grpId="0" nodeType="withEffect">
-                                  <p:stCondLst>
-                                    <p:cond delay="0"/>
-                                  </p:stCondLst>
-                                  <p:childTnLst>
-                                    <p:set>
-                                      <p:cBhvr>
-                                        <p:cTn id="27" dur="1" fill="hold">
+                                        <p:cTn id="23" dur="1" fill="hold">
                                           <p:stCondLst>
                                             <p:cond delay="0"/>
                                           </p:stCondLst>
@@ -49152,7 +48995,7 @@
                                     </p:set>
                                     <p:animEffect transition="in" filter="wipe(down)">
                                       <p:cBhvr>
-                                        <p:cTn id="28" dur="500"/>
+                                        <p:cTn id="24" dur="500"/>
                                         <p:tgtEl>
                                           <p:spTgt spid="181809"/>
                                         </p:tgtEl>
@@ -49168,26 +49011,26 @@
                     </p:cTn>
                   </p:par>
                   <p:par>
-                    <p:cTn id="29" fill="hold">
+                    <p:cTn id="25" fill="hold">
                       <p:stCondLst>
                         <p:cond delay="indefinite"/>
                       </p:stCondLst>
                       <p:childTnLst>
                         <p:par>
-                          <p:cTn id="30" fill="hold">
+                          <p:cTn id="26" fill="hold">
                             <p:stCondLst>
                               <p:cond delay="0"/>
                             </p:stCondLst>
                             <p:childTnLst>
                               <p:par>
-                                <p:cTn id="31" presetID="9" presetClass="exit" presetSubtype="0" fill="hold" nodeType="clickEffect">
+                                <p:cTn id="27" presetID="9" presetClass="exit" presetSubtype="0" fill="hold" nodeType="clickEffect">
                                   <p:stCondLst>
                                     <p:cond delay="0"/>
                                   </p:stCondLst>
                                   <p:childTnLst>
                                     <p:animEffect transition="out" filter="dissolve">
                                       <p:cBhvr>
-                                        <p:cTn id="32" dur="500"/>
+                                        <p:cTn id="28" dur="500"/>
                                         <p:tgtEl>
                                           <p:spTgt spid="2"/>
                                         </p:tgtEl>
@@ -49195,7 +49038,7 @@
                                     </p:animEffect>
                                     <p:set>
                                       <p:cBhvr>
-                                        <p:cTn id="33" dur="1" fill="hold">
+                                        <p:cTn id="29" dur="1" fill="hold">
                                           <p:stCondLst>
                                             <p:cond delay="499"/>
                                           </p:stCondLst>
@@ -49218,20 +49061,20 @@
                           </p:cTn>
                         </p:par>
                         <p:par>
-                          <p:cTn id="34" fill="hold">
+                          <p:cTn id="30" fill="hold">
                             <p:stCondLst>
                               <p:cond delay="500"/>
                             </p:stCondLst>
                             <p:childTnLst>
                               <p:par>
-                                <p:cTn id="35" presetID="22" presetClass="entr" presetSubtype="4" fill="hold" nodeType="afterEffect">
+                                <p:cTn id="31" presetID="22" presetClass="entr" presetSubtype="4" fill="hold" nodeType="afterEffect">
                                   <p:stCondLst>
                                     <p:cond delay="0"/>
                                   </p:stCondLst>
                                   <p:childTnLst>
                                     <p:set>
                                       <p:cBhvr>
-                                        <p:cTn id="36" dur="1" fill="hold">
+                                        <p:cTn id="32" dur="1" fill="hold">
                                           <p:stCondLst>
                                             <p:cond delay="0"/>
                                           </p:stCondLst>
@@ -49249,7 +49092,7 @@
                                     </p:set>
                                     <p:animEffect transition="in" filter="wipe(down)">
                                       <p:cBhvr>
-                                        <p:cTn id="37" dur="500"/>
+                                        <p:cTn id="33" dur="500"/>
                                         <p:tgtEl>
                                           <p:spTgt spid="4"/>
                                         </p:tgtEl>
@@ -49258,59 +49101,15 @@
                                   </p:childTnLst>
                                 </p:cTn>
                               </p:par>
-                            </p:childTnLst>
-                          </p:cTn>
-                        </p:par>
-                        <p:par>
-                          <p:cTn id="38" fill="hold">
-                            <p:stCondLst>
-                              <p:cond delay="1000"/>
-                            </p:stCondLst>
-                            <p:childTnLst>
                               <p:par>
-                                <p:cTn id="39" presetID="22" presetClass="entr" presetSubtype="4" fill="hold" grpId="0" nodeType="afterEffect">
+                                <p:cTn id="34" presetID="22" presetClass="entr" presetSubtype="4" fill="hold" grpId="0" nodeType="withEffect">
                                   <p:stCondLst>
                                     <p:cond delay="0"/>
                                   </p:stCondLst>
                                   <p:childTnLst>
                                     <p:set>
                                       <p:cBhvr>
-                                        <p:cTn id="40" dur="1" fill="hold">
-                                          <p:stCondLst>
-                                            <p:cond delay="0"/>
-                                          </p:stCondLst>
-                                        </p:cTn>
-                                        <p:tgtEl>
-                                          <p:spTgt spid="181805"/>
-                                        </p:tgtEl>
-                                        <p:attrNameLst>
-                                          <p:attrName>style.visibility</p:attrName>
-                                        </p:attrNameLst>
-                                      </p:cBhvr>
-                                      <p:to>
-                                        <p:strVal val="visible"/>
-                                      </p:to>
-                                    </p:set>
-                                    <p:animEffect transition="in" filter="wipe(down)">
-                                      <p:cBhvr>
-                                        <p:cTn id="41" dur="500"/>
-                                        <p:tgtEl>
-                                          <p:spTgt spid="181805"/>
-                                        </p:tgtEl>
-                                      </p:cBhvr>
-                                    </p:animEffect>
-                                  </p:childTnLst>
-                                </p:cTn>
-                              </p:par>
-                              <p:par>
-                                <p:cTn id="42" presetID="22" presetClass="entr" presetSubtype="4" fill="hold" grpId="0" nodeType="withEffect">
-                                  <p:stCondLst>
-                                    <p:cond delay="0"/>
-                                  </p:stCondLst>
-                                  <p:childTnLst>
-                                    <p:set>
-                                      <p:cBhvr>
-                                        <p:cTn id="43" dur="1" fill="hold">
+                                        <p:cTn id="35" dur="1" fill="hold">
                                           <p:stCondLst>
                                             <p:cond delay="0"/>
                                           </p:stCondLst>
@@ -49328,7 +49127,7 @@
                                     </p:set>
                                     <p:animEffect transition="in" filter="wipe(down)">
                                       <p:cBhvr>
-                                        <p:cTn id="44" dur="500"/>
+                                        <p:cTn id="36" dur="500"/>
                                         <p:tgtEl>
                                           <p:spTgt spid="181810"/>
                                         </p:tgtEl>
@@ -49344,26 +49143,26 @@
                     </p:cTn>
                   </p:par>
                   <p:par>
-                    <p:cTn id="45" fill="hold">
+                    <p:cTn id="37" fill="hold">
                       <p:stCondLst>
                         <p:cond delay="indefinite"/>
                       </p:stCondLst>
                       <p:childTnLst>
                         <p:par>
-                          <p:cTn id="46" fill="hold">
+                          <p:cTn id="38" fill="hold">
                             <p:stCondLst>
                               <p:cond delay="0"/>
                             </p:stCondLst>
                             <p:childTnLst>
                               <p:par>
-                                <p:cTn id="47" presetID="9" presetClass="exit" presetSubtype="0" fill="hold" nodeType="clickEffect">
+                                <p:cTn id="39" presetID="9" presetClass="exit" presetSubtype="0" fill="hold" nodeType="clickEffect">
                                   <p:stCondLst>
                                     <p:cond delay="0"/>
                                   </p:stCondLst>
                                   <p:childTnLst>
                                     <p:animEffect transition="out" filter="dissolve">
                                       <p:cBhvr>
-                                        <p:cTn id="48" dur="500"/>
+                                        <p:cTn id="40" dur="500"/>
                                         <p:tgtEl>
                                           <p:spTgt spid="4"/>
                                         </p:tgtEl>
@@ -49371,7 +49170,7 @@
                                     </p:animEffect>
                                     <p:set>
                                       <p:cBhvr>
-                                        <p:cTn id="49" dur="1" fill="hold">
+                                        <p:cTn id="41" dur="1" fill="hold">
                                           <p:stCondLst>
                                             <p:cond delay="499"/>
                                           </p:stCondLst>
@@ -49394,20 +49193,20 @@
                           </p:cTn>
                         </p:par>
                         <p:par>
-                          <p:cTn id="50" fill="hold">
+                          <p:cTn id="42" fill="hold">
                             <p:stCondLst>
                               <p:cond delay="500"/>
                             </p:stCondLst>
                             <p:childTnLst>
                               <p:par>
-                                <p:cTn id="51" presetID="22" presetClass="entr" presetSubtype="4" fill="hold" nodeType="afterEffect">
+                                <p:cTn id="43" presetID="22" presetClass="entr" presetSubtype="4" fill="hold" nodeType="afterEffect">
                                   <p:stCondLst>
                                     <p:cond delay="0"/>
                                   </p:stCondLst>
                                   <p:childTnLst>
                                     <p:set>
                                       <p:cBhvr>
-                                        <p:cTn id="52" dur="1" fill="hold">
+                                        <p:cTn id="44" dur="1" fill="hold">
                                           <p:stCondLst>
                                             <p:cond delay="0"/>
                                           </p:stCondLst>
@@ -49425,7 +49224,7 @@
                                     </p:set>
                                     <p:animEffect transition="in" filter="wipe(down)">
                                       <p:cBhvr>
-                                        <p:cTn id="53" dur="500"/>
+                                        <p:cTn id="45" dur="500"/>
                                         <p:tgtEl>
                                           <p:spTgt spid="5"/>
                                         </p:tgtEl>
@@ -49434,59 +49233,15 @@
                                   </p:childTnLst>
                                 </p:cTn>
                               </p:par>
-                            </p:childTnLst>
-                          </p:cTn>
-                        </p:par>
-                        <p:par>
-                          <p:cTn id="54" fill="hold">
-                            <p:stCondLst>
-                              <p:cond delay="1000"/>
-                            </p:stCondLst>
-                            <p:childTnLst>
                               <p:par>
-                                <p:cTn id="55" presetID="22" presetClass="entr" presetSubtype="4" fill="hold" grpId="0" nodeType="afterEffect">
+                                <p:cTn id="46" presetID="22" presetClass="entr" presetSubtype="4" fill="hold" grpId="0" nodeType="withEffect">
                                   <p:stCondLst>
                                     <p:cond delay="0"/>
                                   </p:stCondLst>
                                   <p:childTnLst>
                                     <p:set>
                                       <p:cBhvr>
-                                        <p:cTn id="56" dur="1" fill="hold">
-                                          <p:stCondLst>
-                                            <p:cond delay="0"/>
-                                          </p:stCondLst>
-                                        </p:cTn>
-                                        <p:tgtEl>
-                                          <p:spTgt spid="181806"/>
-                                        </p:tgtEl>
-                                        <p:attrNameLst>
-                                          <p:attrName>style.visibility</p:attrName>
-                                        </p:attrNameLst>
-                                      </p:cBhvr>
-                                      <p:to>
-                                        <p:strVal val="visible"/>
-                                      </p:to>
-                                    </p:set>
-                                    <p:animEffect transition="in" filter="wipe(down)">
-                                      <p:cBhvr>
-                                        <p:cTn id="57" dur="500"/>
-                                        <p:tgtEl>
-                                          <p:spTgt spid="181806"/>
-                                        </p:tgtEl>
-                                      </p:cBhvr>
-                                    </p:animEffect>
-                                  </p:childTnLst>
-                                </p:cTn>
-                              </p:par>
-                              <p:par>
-                                <p:cTn id="58" presetID="22" presetClass="entr" presetSubtype="4" fill="hold" grpId="0" nodeType="withEffect">
-                                  <p:stCondLst>
-                                    <p:cond delay="0"/>
-                                  </p:stCondLst>
-                                  <p:childTnLst>
-                                    <p:set>
-                                      <p:cBhvr>
-                                        <p:cTn id="59" dur="1" fill="hold">
+                                        <p:cTn id="47" dur="1" fill="hold">
                                           <p:stCondLst>
                                             <p:cond delay="0"/>
                                           </p:stCondLst>
@@ -49504,7 +49259,7 @@
                                     </p:set>
                                     <p:animEffect transition="in" filter="wipe(down)">
                                       <p:cBhvr>
-                                        <p:cTn id="60" dur="500"/>
+                                        <p:cTn id="48" dur="500"/>
                                         <p:tgtEl>
                                           <p:spTgt spid="181811"/>
                                         </p:tgtEl>
@@ -49542,9 +49297,6 @@
     </p:tnLst>
     <p:bldLst>
       <p:bldP spid="181251" grpId="0" build="p" autoUpdateAnimBg="0"/>
-      <p:bldP spid="181804" grpId="0" animBg="1"/>
-      <p:bldP spid="181805" grpId="0" animBg="1"/>
-      <p:bldP spid="181806" grpId="0" animBg="1"/>
       <p:bldP spid="181808" grpId="0" animBg="1"/>
       <p:bldP spid="181809" grpId="0" animBg="1"/>
       <p:bldP spid="181810" grpId="0" animBg="1"/>
